--- a/docs/diagrams/UndoRedoSequenceDiagram.pptx
+++ b/docs/diagrams/UndoRedoSequenceDiagram.pptx
@@ -126,6 +126,10 @@
 </p:presentation>
 </file>
 
+<file path=ppt/revisionInfo.xml><?xml version="1.0" encoding="utf-8"?>
+<p1510:revInfo xmlns:a="http://schemas.openxmlformats.org/drawingml/2006/main" xmlns:r="http://schemas.openxmlformats.org/officeDocument/2006/relationships" xmlns:p1510="http://schemas.microsoft.com/office/powerpoint/2015/10/main"/>
+</file>
+
 <file path=ppt/notesMasters/notesMaster1.xml><?xml version="1.0" encoding="utf-8"?>
 <p:notesMaster xmlns:a="http://schemas.openxmlformats.org/drawingml/2006/main" xmlns:r="http://schemas.openxmlformats.org/officeDocument/2006/relationships" xmlns:p="http://schemas.openxmlformats.org/presentationml/2006/main">
   <p:cSld>
@@ -208,7 +212,7 @@
           <a:p>
             <a:fld id="{F5CC4B3F-88C1-4FFA-B1B6-F41C21DC6924}" type="datetimeFigureOut">
               <a:rPr lang="en-US" smtClean="0"/>
-              <a:t>7/29/2017</a:t>
+              <a:t>7/6/2018</a:t>
             </a:fld>
             <a:endParaRPr lang="en-US"/>
           </a:p>
@@ -654,7 +658,7 @@
           <a:p>
             <a:fld id="{78C97017-6FC3-485B-9764-EAC9E56C1D49}" type="datetimeFigureOut">
               <a:rPr lang="en-US" smtClean="0"/>
-              <a:t>7/29/2017</a:t>
+              <a:t>7/6/2018</a:t>
             </a:fld>
             <a:endParaRPr lang="en-US"/>
           </a:p>
@@ -822,7 +826,7 @@
           <a:p>
             <a:fld id="{78C97017-6FC3-485B-9764-EAC9E56C1D49}" type="datetimeFigureOut">
               <a:rPr lang="en-US" smtClean="0"/>
-              <a:t>7/29/2017</a:t>
+              <a:t>7/6/2018</a:t>
             </a:fld>
             <a:endParaRPr lang="en-US"/>
           </a:p>
@@ -1000,7 +1004,7 @@
           <a:p>
             <a:fld id="{78C97017-6FC3-485B-9764-EAC9E56C1D49}" type="datetimeFigureOut">
               <a:rPr lang="en-US" smtClean="0"/>
-              <a:t>7/29/2017</a:t>
+              <a:t>7/6/2018</a:t>
             </a:fld>
             <a:endParaRPr lang="en-US"/>
           </a:p>
@@ -1168,7 +1172,7 @@
           <a:p>
             <a:fld id="{78C97017-6FC3-485B-9764-EAC9E56C1D49}" type="datetimeFigureOut">
               <a:rPr lang="en-US" smtClean="0"/>
-              <a:t>7/29/2017</a:t>
+              <a:t>7/6/2018</a:t>
             </a:fld>
             <a:endParaRPr lang="en-US"/>
           </a:p>
@@ -1413,7 +1417,7 @@
           <a:p>
             <a:fld id="{78C97017-6FC3-485B-9764-EAC9E56C1D49}" type="datetimeFigureOut">
               <a:rPr lang="en-US" smtClean="0"/>
-              <a:t>7/29/2017</a:t>
+              <a:t>7/6/2018</a:t>
             </a:fld>
             <a:endParaRPr lang="en-US"/>
           </a:p>
@@ -1698,7 +1702,7 @@
           <a:p>
             <a:fld id="{78C97017-6FC3-485B-9764-EAC9E56C1D49}" type="datetimeFigureOut">
               <a:rPr lang="en-US" smtClean="0"/>
-              <a:t>7/29/2017</a:t>
+              <a:t>7/6/2018</a:t>
             </a:fld>
             <a:endParaRPr lang="en-US"/>
           </a:p>
@@ -2117,7 +2121,7 @@
           <a:p>
             <a:fld id="{78C97017-6FC3-485B-9764-EAC9E56C1D49}" type="datetimeFigureOut">
               <a:rPr lang="en-US" smtClean="0"/>
-              <a:t>7/29/2017</a:t>
+              <a:t>7/6/2018</a:t>
             </a:fld>
             <a:endParaRPr lang="en-US"/>
           </a:p>
@@ -2234,7 +2238,7 @@
           <a:p>
             <a:fld id="{78C97017-6FC3-485B-9764-EAC9E56C1D49}" type="datetimeFigureOut">
               <a:rPr lang="en-US" smtClean="0"/>
-              <a:t>7/29/2017</a:t>
+              <a:t>7/6/2018</a:t>
             </a:fld>
             <a:endParaRPr lang="en-US"/>
           </a:p>
@@ -2329,7 +2333,7 @@
           <a:p>
             <a:fld id="{78C97017-6FC3-485B-9764-EAC9E56C1D49}" type="datetimeFigureOut">
               <a:rPr lang="en-US" smtClean="0"/>
-              <a:t>7/29/2017</a:t>
+              <a:t>7/6/2018</a:t>
             </a:fld>
             <a:endParaRPr lang="en-US"/>
           </a:p>
@@ -2604,7 +2608,7 @@
           <a:p>
             <a:fld id="{78C97017-6FC3-485B-9764-EAC9E56C1D49}" type="datetimeFigureOut">
               <a:rPr lang="en-US" smtClean="0"/>
-              <a:t>7/29/2017</a:t>
+              <a:t>7/6/2018</a:t>
             </a:fld>
             <a:endParaRPr lang="en-US"/>
           </a:p>
@@ -2856,7 +2860,7 @@
           <a:p>
             <a:fld id="{78C97017-6FC3-485B-9764-EAC9E56C1D49}" type="datetimeFigureOut">
               <a:rPr lang="en-US" smtClean="0"/>
-              <a:t>7/29/2017</a:t>
+              <a:t>7/6/2018</a:t>
             </a:fld>
             <a:endParaRPr lang="en-US"/>
           </a:p>
@@ -3067,7 +3071,7 @@
           <a:p>
             <a:fld id="{78C97017-6FC3-485B-9764-EAC9E56C1D49}" type="datetimeFigureOut">
               <a:rPr lang="en-US" smtClean="0"/>
-              <a:t>7/29/2017</a:t>
+              <a:t>7/6/2018</a:t>
             </a:fld>
             <a:endParaRPr lang="en-US"/>
           </a:p>
@@ -3444,14 +3448,75 @@
       </p:grpSpPr>
       <p:sp>
         <p:nvSpPr>
+          <p:cNvPr id="56" name="Rectangle 65"/>
+          <p:cNvSpPr/>
+          <p:nvPr/>
+        </p:nvSpPr>
+        <p:spPr>
+          <a:xfrm>
+            <a:off x="6459374" y="118895"/>
+            <a:ext cx="3903825" cy="4400926"/>
+          </a:xfrm>
+          <a:prstGeom prst="roundRect">
+            <a:avLst>
+              <a:gd name="adj" fmla="val 3484"/>
+            </a:avLst>
+          </a:prstGeom>
+          <a:solidFill>
+            <a:schemeClr val="accent4">
+              <a:lumMod val="20000"/>
+              <a:lumOff val="80000"/>
+            </a:schemeClr>
+          </a:solidFill>
+          <a:ln w="19050">
+            <a:noFill/>
+          </a:ln>
+          <a:effectLst/>
+        </p:spPr>
+        <p:style>
+          <a:lnRef idx="1">
+            <a:schemeClr val="accent2"/>
+          </a:lnRef>
+          <a:fillRef idx="2">
+            <a:schemeClr val="accent2"/>
+          </a:fillRef>
+          <a:effectRef idx="1">
+            <a:schemeClr val="accent2"/>
+          </a:effectRef>
+          <a:fontRef idx="minor">
+            <a:schemeClr val="dk1"/>
+          </a:fontRef>
+        </p:style>
+        <p:txBody>
+          <a:bodyPr rtlCol="0" anchor="t"/>
+          <a:lstStyle/>
+          <a:p>
+            <a:r>
+              <a:rPr lang="en-US" sz="1200" b="1" dirty="0">
+                <a:solidFill>
+                  <a:srgbClr val="7030A0"/>
+                </a:solidFill>
+              </a:rPr>
+              <a:t>Model</a:t>
+            </a:r>
+            <a:endParaRPr lang="en-SG" sz="1200" b="1" dirty="0">
+              <a:solidFill>
+                <a:srgbClr val="7030A0"/>
+              </a:solidFill>
+            </a:endParaRPr>
+          </a:p>
+        </p:txBody>
+      </p:sp>
+      <p:sp>
+        <p:nvSpPr>
           <p:cNvPr id="81" name="Rectangle 65"/>
           <p:cNvSpPr/>
           <p:nvPr/>
         </p:nvSpPr>
         <p:spPr>
           <a:xfrm>
-            <a:off x="723900" y="228600"/>
-            <a:ext cx="8847118" cy="4343400"/>
+            <a:off x="467813" y="163018"/>
+            <a:ext cx="5863964" cy="4343400"/>
           </a:xfrm>
           <a:prstGeom prst="roundRect">
             <a:avLst>
@@ -4213,44 +4278,6 @@
           </a:p>
         </p:txBody>
       </p:sp>
-      <p:cxnSp>
-        <p:nvCxnSpPr>
-          <p:cNvPr id="75" name="Straight Arrow Connector 74"/>
-          <p:cNvCxnSpPr>
-            <a:cxnSpLocks/>
-          </p:cNvCxnSpPr>
-          <p:nvPr/>
-        </p:nvCxnSpPr>
-        <p:spPr>
-          <a:xfrm>
-            <a:off x="5700333" y="3609800"/>
-            <a:ext cx="2813874" cy="0"/>
-          </a:xfrm>
-          <a:prstGeom prst="straightConnector1">
-            <a:avLst/>
-          </a:prstGeom>
-          <a:ln w="19050">
-            <a:solidFill>
-              <a:srgbClr val="0070C0"/>
-            </a:solidFill>
-            <a:tailEnd type="arrow"/>
-          </a:ln>
-        </p:spPr>
-        <p:style>
-          <a:lnRef idx="1">
-            <a:schemeClr val="accent1"/>
-          </a:lnRef>
-          <a:fillRef idx="0">
-            <a:schemeClr val="accent1"/>
-          </a:fillRef>
-          <a:effectRef idx="0">
-            <a:schemeClr val="accent1"/>
-          </a:effectRef>
-          <a:fontRef idx="minor">
-            <a:schemeClr val="tx1"/>
-          </a:fontRef>
-        </p:style>
-      </p:cxnSp>
       <p:sp>
         <p:nvSpPr>
           <p:cNvPr id="79" name="TextBox 78"/>
@@ -4259,8 +4286,8 @@
         </p:nvSpPr>
         <p:spPr>
           <a:xfrm>
-            <a:off x="5782732" y="2760996"/>
-            <a:ext cx="767033" cy="184666"/>
+            <a:off x="5651548" y="2748246"/>
+            <a:ext cx="1298078" cy="184666"/>
           </a:xfrm>
           <a:prstGeom prst="rect">
             <a:avLst/>
@@ -4285,13 +4312,32 @@
           </a:lstStyle>
           <a:p>
             <a:r>
-              <a:rPr lang="en-US" sz="1200" dirty="0" err="1"/>
-              <a:t>popUndo</a:t>
-            </a:r>
-            <a:r>
-              <a:rPr lang="en-US" sz="1200" dirty="0"/>
+              <a:rPr lang="en-US" sz="1200" dirty="0" err="1">
+                <a:solidFill>
+                  <a:schemeClr val="accent4">
+                    <a:lumMod val="75000"/>
+                  </a:schemeClr>
+                </a:solidFill>
+              </a:rPr>
+              <a:t>undo</a:t>
+            </a:r>
+            <a:r>
+              <a:rPr lang="en-US" sz="1200" dirty="0" err="1">
+                <a:solidFill>
+                  <a:srgbClr val="7030A0"/>
+                </a:solidFill>
+              </a:rPr>
+              <a:t>AddressBook</a:t>
+            </a:r>
+            <a:r>
+              <a:rPr lang="en-US" sz="1200" dirty="0">
+                <a:solidFill>
+                  <a:srgbClr val="7030A0"/>
+                </a:solidFill>
+              </a:rPr>
               <a:t>()</a:t>
             </a:r>
+            <a:endParaRPr lang="en-US" sz="1200" dirty="0"/>
           </a:p>
         </p:txBody>
       </p:sp>
@@ -4427,18 +4473,18 @@
         </p:nvSpPr>
         <p:spPr>
           <a:xfrm>
-            <a:off x="7826988" y="2782109"/>
-            <a:ext cx="1590354" cy="461538"/>
+            <a:off x="7497155" y="2568606"/>
+            <a:ext cx="2181777" cy="335427"/>
           </a:xfrm>
           <a:prstGeom prst="rect">
             <a:avLst/>
           </a:prstGeom>
           <a:solidFill>
-            <a:srgbClr val="0070C0"/>
+            <a:srgbClr val="7030A0"/>
           </a:solidFill>
           <a:ln w="19050">
             <a:solidFill>
-              <a:srgbClr val="0070C0"/>
+              <a:srgbClr val="7030A0"/>
             </a:solidFill>
           </a:ln>
           <a:effectLst/>
@@ -4468,7 +4514,15 @@
                   <a:schemeClr val="bg1"/>
                 </a:solidFill>
               </a:rPr>
-              <a:t>x:XYZCommand</a:t>
+              <a:t>:</a:t>
+            </a:r>
+            <a:r>
+              <a:rPr lang="en-US" sz="1600" dirty="0" err="1">
+                <a:solidFill>
+                  <a:schemeClr val="bg1"/>
+                </a:solidFill>
+              </a:rPr>
+              <a:t>VersionedAddressBook</a:t>
             </a:r>
             <a:endParaRPr lang="en-SG" sz="1600" dirty="0">
               <a:solidFill>
@@ -4486,18 +4540,18 @@
         </p:nvSpPr>
         <p:spPr>
           <a:xfrm>
-            <a:off x="8514207" y="3599229"/>
-            <a:ext cx="152400" cy="313845"/>
+            <a:off x="8514207" y="3182840"/>
+            <a:ext cx="129933" cy="398562"/>
           </a:xfrm>
           <a:prstGeom prst="rect">
             <a:avLst/>
           </a:prstGeom>
           <a:solidFill>
-            <a:srgbClr val="0070C0"/>
+            <a:srgbClr val="7030A0"/>
           </a:solidFill>
           <a:ln>
             <a:solidFill>
-              <a:srgbClr val="0070C0"/>
+              <a:srgbClr val="7030A0"/>
             </a:solidFill>
           </a:ln>
           <a:effectLst/>
@@ -4525,46 +4579,6 @@
           </a:p>
         </p:txBody>
       </p:sp>
-      <p:cxnSp>
-        <p:nvCxnSpPr>
-          <p:cNvPr id="90" name="Straight Arrow Connector 89"/>
-          <p:cNvCxnSpPr>
-            <a:cxnSpLocks/>
-          </p:cNvCxnSpPr>
-          <p:nvPr/>
-        </p:nvCxnSpPr>
-        <p:spPr>
-          <a:xfrm>
-            <a:off x="5685755" y="3899785"/>
-            <a:ext cx="2855065" cy="0"/>
-          </a:xfrm>
-          <a:prstGeom prst="straightConnector1">
-            <a:avLst/>
-          </a:prstGeom>
-          <a:ln w="19050">
-            <a:solidFill>
-              <a:srgbClr val="0070C0"/>
-            </a:solidFill>
-            <a:prstDash val="sysDash"/>
-            <a:headEnd type="arrow" w="med" len="med"/>
-            <a:tailEnd type="none" w="med" len="med"/>
-          </a:ln>
-        </p:spPr>
-        <p:style>
-          <a:lnRef idx="1">
-            <a:schemeClr val="accent1"/>
-          </a:lnRef>
-          <a:fillRef idx="0">
-            <a:schemeClr val="accent1"/>
-          </a:fillRef>
-          <a:effectRef idx="0">
-            <a:schemeClr val="accent1"/>
-          </a:effectRef>
-          <a:fontRef idx="minor">
-            <a:schemeClr val="tx1"/>
-          </a:fontRef>
-        </p:style>
-      </p:cxnSp>
       <p:sp>
         <p:nvSpPr>
           <p:cNvPr id="93" name="TextBox 92"/>
@@ -4613,18 +4627,18 @@
         </p:nvSpPr>
         <p:spPr>
           <a:xfrm>
-            <a:off x="6059560" y="2230345"/>
-            <a:ext cx="1778201" cy="432035"/>
+            <a:off x="6549765" y="2362200"/>
+            <a:ext cx="841636" cy="300180"/>
           </a:xfrm>
           <a:prstGeom prst="rect">
             <a:avLst/>
           </a:prstGeom>
           <a:solidFill>
-            <a:srgbClr val="0070C0"/>
+            <a:srgbClr val="7030A0"/>
           </a:solidFill>
           <a:ln w="19050">
             <a:solidFill>
-              <a:srgbClr val="0070C0"/>
+              <a:srgbClr val="7030A0"/>
             </a:solidFill>
           </a:ln>
           <a:effectLst/>
@@ -4654,15 +4668,7 @@
                   <a:schemeClr val="bg1"/>
                 </a:solidFill>
               </a:rPr>
-              <a:t>:</a:t>
-            </a:r>
-            <a:r>
-              <a:rPr lang="en-US" sz="1600" dirty="0" err="1">
-                <a:solidFill>
-                  <a:schemeClr val="bg1"/>
-                </a:solidFill>
-              </a:rPr>
-              <a:t>UndoRedoStack</a:t>
+              <a:t>: Model</a:t>
             </a:r>
             <a:endParaRPr lang="en-SG" sz="1600" dirty="0">
               <a:solidFill>
@@ -4681,16 +4687,16 @@
           <p:nvPr/>
         </p:nvCxnSpPr>
         <p:spPr>
-          <a:xfrm>
-            <a:off x="6990448" y="2653306"/>
-            <a:ext cx="0" cy="838201"/>
+          <a:xfrm flipH="1">
+            <a:off x="6986491" y="2653306"/>
+            <a:ext cx="3959" cy="1735710"/>
           </a:xfrm>
           <a:prstGeom prst="line">
             <a:avLst/>
           </a:prstGeom>
           <a:ln w="19050">
             <a:solidFill>
-              <a:srgbClr val="0070C0"/>
+              <a:srgbClr val="7030A0"/>
             </a:solidFill>
             <a:prstDash val="sysDash"/>
           </a:ln>
@@ -4719,18 +4725,18 @@
         </p:nvSpPr>
         <p:spPr>
           <a:xfrm>
-            <a:off x="6887526" y="2958107"/>
-            <a:ext cx="217409" cy="351475"/>
+            <a:off x="6887527" y="2958106"/>
+            <a:ext cx="168896" cy="775693"/>
           </a:xfrm>
           <a:prstGeom prst="rect">
             <a:avLst/>
           </a:prstGeom>
           <a:solidFill>
-            <a:srgbClr val="0070C0"/>
+            <a:srgbClr val="7030A0"/>
           </a:solidFill>
           <a:ln>
             <a:solidFill>
-              <a:srgbClr val="0070C0"/>
+              <a:srgbClr val="7030A0"/>
             </a:solidFill>
           </a:ln>
           <a:effectLst/>
@@ -5037,12 +5043,87 @@
           </a:fontRef>
         </p:style>
       </p:cxnSp>
+      <p:sp>
+        <p:nvSpPr>
+          <p:cNvPr id="88" name="TextBox 87">
+            <a:extLst>
+              <a:ext uri="{FF2B5EF4-FFF2-40B4-BE49-F238E27FC236}">
+                <a16:creationId xmlns:a16="http://schemas.microsoft.com/office/drawing/2014/main" id="{B85C6184-7378-4E89-A338-72B1E5056F4F}"/>
+              </a:ext>
+            </a:extLst>
+          </p:cNvPr>
+          <p:cNvSpPr txBox="1"/>
+          <p:nvPr/>
+        </p:nvSpPr>
+        <p:spPr>
+          <a:xfrm>
+            <a:off x="8769530" y="3267337"/>
+            <a:ext cx="2120786" cy="184666"/>
+          </a:xfrm>
+          <a:prstGeom prst="rect">
+            <a:avLst/>
+          </a:prstGeom>
+          <a:noFill/>
+        </p:spPr>
+        <p:txBody>
+          <a:bodyPr wrap="square" lIns="0" tIns="0" rIns="0" bIns="0" rtlCol="0">
+            <a:spAutoFit/>
+          </a:bodyPr>
+          <a:lstStyle>
+            <a:defPPr>
+              <a:defRPr lang="en-US"/>
+            </a:defPPr>
+            <a:lvl1pPr algn="r">
+              <a:defRPr sz="1400">
+                <a:solidFill>
+                  <a:srgbClr val="0070C0"/>
+                </a:solidFill>
+              </a:defRPr>
+            </a:lvl1pPr>
+          </a:lstStyle>
+          <a:p>
+            <a:r>
+              <a:rPr lang="en-US" sz="1200" dirty="0" err="1">
+                <a:solidFill>
+                  <a:srgbClr val="7030A0"/>
+                </a:solidFill>
+              </a:rPr>
+              <a:t>resetData</a:t>
+            </a:r>
+            <a:r>
+              <a:rPr lang="en-US" sz="1200" dirty="0">
+                <a:solidFill>
+                  <a:srgbClr val="7030A0"/>
+                </a:solidFill>
+              </a:rPr>
+              <a:t>(</a:t>
+            </a:r>
+            <a:r>
+              <a:rPr lang="en-US" sz="1200" dirty="0" err="1">
+                <a:solidFill>
+                  <a:srgbClr val="7030A0"/>
+                </a:solidFill>
+              </a:rPr>
+              <a:t>ReadOnlyAddressBook</a:t>
+            </a:r>
+            <a:r>
+              <a:rPr lang="en-US" sz="1200" dirty="0">
+                <a:solidFill>
+                  <a:srgbClr val="7030A0"/>
+                </a:solidFill>
+              </a:rPr>
+              <a:t>)</a:t>
+            </a:r>
+            <a:endParaRPr lang="en-US" sz="1200" dirty="0"/>
+          </a:p>
+        </p:txBody>
+      </p:sp>
       <p:cxnSp>
         <p:nvCxnSpPr>
-          <p:cNvPr id="74" name="Straight Arrow Connector 73">
+          <p:cNvPr id="89" name="Straight Connector 88">
             <a:extLst>
               <a:ext uri="{FF2B5EF4-FFF2-40B4-BE49-F238E27FC236}">
-                <a16:creationId xmlns:a16="http://schemas.microsoft.com/office/drawing/2014/main" id="{854D9FBB-2B36-4DC9-8B58-F7F177A8E586}"/>
+                <a16:creationId xmlns:a16="http://schemas.microsoft.com/office/drawing/2014/main" id="{E4E1C8CA-49DF-45D8-80A5-D5C8282EE927}"/>
               </a:ext>
             </a:extLst>
           </p:cNvPr>
@@ -5053,19 +5134,114 @@
         </p:nvCxnSpPr>
         <p:spPr>
           <a:xfrm>
-            <a:off x="5731284" y="3302011"/>
-            <a:ext cx="1128490" cy="0"/>
-          </a:xfrm>
-          <a:prstGeom prst="straightConnector1">
+            <a:off x="8588043" y="2871355"/>
+            <a:ext cx="17996" cy="1467648"/>
+          </a:xfrm>
+          <a:prstGeom prst="line">
             <a:avLst/>
           </a:prstGeom>
           <a:ln w="19050">
             <a:solidFill>
-              <a:srgbClr val="0070C0"/>
+              <a:srgbClr val="7030A0"/>
             </a:solidFill>
             <a:prstDash val="sysDash"/>
-            <a:headEnd type="arrow" w="med" len="med"/>
-            <a:tailEnd type="none" w="med" len="med"/>
+          </a:ln>
+          <a:effectLst/>
+        </p:spPr>
+        <p:style>
+          <a:lnRef idx="1">
+            <a:schemeClr val="accent1"/>
+          </a:lnRef>
+          <a:fillRef idx="2">
+            <a:schemeClr val="accent1"/>
+          </a:fillRef>
+          <a:effectRef idx="1">
+            <a:schemeClr val="accent1"/>
+          </a:effectRef>
+          <a:fontRef idx="minor">
+            <a:schemeClr val="dk1"/>
+          </a:fontRef>
+        </p:style>
+      </p:cxnSp>
+      <p:sp>
+        <p:nvSpPr>
+          <p:cNvPr id="41" name="TextBox 40"/>
+          <p:cNvSpPr txBox="1"/>
+          <p:nvPr/>
+        </p:nvSpPr>
+        <p:spPr>
+          <a:xfrm>
+            <a:off x="7667691" y="2975344"/>
+            <a:ext cx="551687" cy="184666"/>
+          </a:xfrm>
+          <a:prstGeom prst="rect">
+            <a:avLst/>
+          </a:prstGeom>
+          <a:noFill/>
+          <a:ln>
+            <a:noFill/>
+          </a:ln>
+        </p:spPr>
+        <p:txBody>
+          <a:bodyPr wrap="square" lIns="0" tIns="0" rIns="0" bIns="0" rtlCol="0">
+            <a:spAutoFit/>
+          </a:bodyPr>
+          <a:lstStyle>
+            <a:defPPr>
+              <a:defRPr lang="en-US"/>
+            </a:defPPr>
+            <a:lvl1pPr algn="r">
+              <a:defRPr sz="1400">
+                <a:solidFill>
+                  <a:srgbClr val="0070C0"/>
+                </a:solidFill>
+              </a:defRPr>
+            </a:lvl1pPr>
+          </a:lstStyle>
+          <a:p>
+            <a:r>
+              <a:rPr lang="en-US" sz="1200" dirty="0">
+                <a:solidFill>
+                  <a:srgbClr val="7030A0"/>
+                </a:solidFill>
+              </a:rPr>
+              <a:t>undo</a:t>
+            </a:r>
+            <a:r>
+              <a:rPr lang="en-US" sz="1200" dirty="0">
+                <a:solidFill>
+                  <a:schemeClr val="accent4">
+                    <a:lumMod val="75000"/>
+                  </a:schemeClr>
+                </a:solidFill>
+              </a:rPr>
+              <a:t>()</a:t>
+            </a:r>
+          </a:p>
+        </p:txBody>
+      </p:sp>
+      <p:cxnSp>
+        <p:nvCxnSpPr>
+          <p:cNvPr id="13" name="Curved Connector 12"/>
+          <p:cNvCxnSpPr/>
+          <p:nvPr/>
+        </p:nvCxnSpPr>
+        <p:spPr>
+          <a:xfrm rot="16200000" flipH="1">
+            <a:off x="8527578" y="3220579"/>
+            <a:ext cx="156923" cy="76200"/>
+          </a:xfrm>
+          <a:prstGeom prst="curvedConnector4">
+            <a:avLst>
+              <a:gd name="adj1" fmla="val -145677"/>
+              <a:gd name="adj2" fmla="val 400000"/>
+            </a:avLst>
+          </a:prstGeom>
+          <a:ln>
+            <a:solidFill>
+              <a:srgbClr val="7030A0"/>
+            </a:solidFill>
+            <a:tailEnd type="triangle"/>
           </a:ln>
         </p:spPr>
         <p:style>
@@ -5083,105 +5259,50 @@
           </a:fontRef>
         </p:style>
       </p:cxnSp>
-      <p:sp>
-        <p:nvSpPr>
-          <p:cNvPr id="85" name="TextBox 84">
+      <p:cxnSp>
+        <p:nvCxnSpPr>
+          <p:cNvPr id="52" name="Straight Arrow Connector 51"/>
+          <p:cNvCxnSpPr>
+            <a:cxnSpLocks/>
+          </p:cNvCxnSpPr>
+          <p:nvPr/>
+        </p:nvCxnSpPr>
+        <p:spPr>
+          <a:xfrm>
+            <a:off x="7043991" y="3182839"/>
+            <a:ext cx="1470216" cy="0"/>
+          </a:xfrm>
+          <a:prstGeom prst="straightConnector1">
+            <a:avLst/>
+          </a:prstGeom>
+          <a:ln w="19050">
+            <a:solidFill>
+              <a:srgbClr val="7030A0"/>
+            </a:solidFill>
+            <a:tailEnd type="arrow"/>
+          </a:ln>
+        </p:spPr>
+        <p:style>
+          <a:lnRef idx="1">
+            <a:schemeClr val="accent1"/>
+          </a:lnRef>
+          <a:fillRef idx="0">
+            <a:schemeClr val="accent1"/>
+          </a:fillRef>
+          <a:effectRef idx="0">
+            <a:schemeClr val="accent1"/>
+          </a:effectRef>
+          <a:fontRef idx="minor">
+            <a:schemeClr val="tx1"/>
+          </a:fontRef>
+        </p:style>
+      </p:cxnSp>
+      <p:cxnSp>
+        <p:nvCxnSpPr>
+          <p:cNvPr id="60" name="Straight Arrow Connector 59">
             <a:extLst>
               <a:ext uri="{FF2B5EF4-FFF2-40B4-BE49-F238E27FC236}">
-                <a16:creationId xmlns:a16="http://schemas.microsoft.com/office/drawing/2014/main" id="{ABFA3722-C3DD-4BF5-815F-9CFBE6942C90}"/>
-              </a:ext>
-            </a:extLst>
-          </p:cNvPr>
-          <p:cNvSpPr txBox="1"/>
-          <p:nvPr/>
-        </p:nvSpPr>
-        <p:spPr>
-          <a:xfrm>
-            <a:off x="5968093" y="3100435"/>
-            <a:ext cx="767033" cy="184666"/>
-          </a:xfrm>
-          <a:prstGeom prst="rect">
-            <a:avLst/>
-          </a:prstGeom>
-          <a:noFill/>
-        </p:spPr>
-        <p:txBody>
-          <a:bodyPr wrap="square" lIns="0" tIns="0" rIns="0" bIns="0" rtlCol="0">
-            <a:spAutoFit/>
-          </a:bodyPr>
-          <a:lstStyle>
-            <a:defPPr>
-              <a:defRPr lang="en-US"/>
-            </a:defPPr>
-            <a:lvl1pPr algn="r">
-              <a:defRPr sz="1400">
-                <a:solidFill>
-                  <a:srgbClr val="0070C0"/>
-                </a:solidFill>
-              </a:defRPr>
-            </a:lvl1pPr>
-          </a:lstStyle>
-          <a:p>
-            <a:pPr algn="ctr"/>
-            <a:r>
-              <a:rPr lang="en-US" sz="1200" dirty="0"/>
-              <a:t>x</a:t>
-            </a:r>
-          </a:p>
-        </p:txBody>
-      </p:sp>
-      <p:sp>
-        <p:nvSpPr>
-          <p:cNvPr id="88" name="TextBox 87">
-            <a:extLst>
-              <a:ext uri="{FF2B5EF4-FFF2-40B4-BE49-F238E27FC236}">
-                <a16:creationId xmlns:a16="http://schemas.microsoft.com/office/drawing/2014/main" id="{B85C6184-7378-4E89-A338-72B1E5056F4F}"/>
-              </a:ext>
-            </a:extLst>
-          </p:cNvPr>
-          <p:cNvSpPr txBox="1"/>
-          <p:nvPr/>
-        </p:nvSpPr>
-        <p:spPr>
-          <a:xfrm>
-            <a:off x="6071845" y="3425134"/>
-            <a:ext cx="767033" cy="184666"/>
-          </a:xfrm>
-          <a:prstGeom prst="rect">
-            <a:avLst/>
-          </a:prstGeom>
-          <a:noFill/>
-        </p:spPr>
-        <p:txBody>
-          <a:bodyPr wrap="square" lIns="0" tIns="0" rIns="0" bIns="0" rtlCol="0">
-            <a:spAutoFit/>
-          </a:bodyPr>
-          <a:lstStyle>
-            <a:defPPr>
-              <a:defRPr lang="en-US"/>
-            </a:defPPr>
-            <a:lvl1pPr algn="r">
-              <a:defRPr sz="1400">
-                <a:solidFill>
-                  <a:srgbClr val="0070C0"/>
-                </a:solidFill>
-              </a:defRPr>
-            </a:lvl1pPr>
-          </a:lstStyle>
-          <a:p>
-            <a:r>
-              <a:rPr lang="en-US" sz="1200" dirty="0"/>
-              <a:t>undo()</a:t>
-            </a:r>
-          </a:p>
-        </p:txBody>
-      </p:sp>
-      <p:cxnSp>
-        <p:nvCxnSpPr>
-          <p:cNvPr id="89" name="Straight Connector 88">
-            <a:extLst>
-              <a:ext uri="{FF2B5EF4-FFF2-40B4-BE49-F238E27FC236}">
-                <a16:creationId xmlns:a16="http://schemas.microsoft.com/office/drawing/2014/main" id="{E4E1C8CA-49DF-45D8-80A5-D5C8282EE927}"/>
+                <a16:creationId xmlns:a16="http://schemas.microsoft.com/office/drawing/2014/main" id="{7C9F21BC-13A9-471F-825A-2621FD36355F}"/>
               </a:ext>
             </a:extLst>
           </p:cNvPr>
@@ -5191,33 +5312,81 @@
           <p:nvPr/>
         </p:nvCxnSpPr>
         <p:spPr>
-          <a:xfrm>
-            <a:off x="8590407" y="3192768"/>
-            <a:ext cx="0" cy="1150632"/>
-          </a:xfrm>
-          <a:prstGeom prst="line">
+          <a:xfrm flipV="1">
+            <a:off x="7043991" y="3564914"/>
+            <a:ext cx="1470216" cy="6325"/>
+          </a:xfrm>
+          <a:prstGeom prst="straightConnector1">
             <a:avLst/>
           </a:prstGeom>
           <a:ln w="19050">
             <a:solidFill>
-              <a:srgbClr val="0070C0"/>
+              <a:srgbClr val="7030A0"/>
             </a:solidFill>
             <a:prstDash val="sysDash"/>
+            <a:headEnd type="arrow" w="med" len="med"/>
+            <a:tailEnd type="none" w="med" len="med"/>
           </a:ln>
-          <a:effectLst/>
         </p:spPr>
         <p:style>
           <a:lnRef idx="1">
             <a:schemeClr val="accent1"/>
           </a:lnRef>
-          <a:fillRef idx="2">
+          <a:fillRef idx="0">
             <a:schemeClr val="accent1"/>
           </a:fillRef>
-          <a:effectRef idx="1">
+          <a:effectRef idx="0">
             <a:schemeClr val="accent1"/>
           </a:effectRef>
           <a:fontRef idx="minor">
-            <a:schemeClr val="dk1"/>
+            <a:schemeClr val="tx1"/>
+          </a:fontRef>
+        </p:style>
+      </p:cxnSp>
+      <p:cxnSp>
+        <p:nvCxnSpPr>
+          <p:cNvPr id="63" name="Straight Arrow Connector 62">
+            <a:extLst>
+              <a:ext uri="{FF2B5EF4-FFF2-40B4-BE49-F238E27FC236}">
+                <a16:creationId xmlns:a16="http://schemas.microsoft.com/office/drawing/2014/main" id="{7C9F21BC-13A9-471F-825A-2621FD36355F}"/>
+              </a:ext>
+            </a:extLst>
+          </p:cNvPr>
+          <p:cNvCxnSpPr>
+            <a:cxnSpLocks/>
+            <a:endCxn id="49" idx="2"/>
+          </p:cNvCxnSpPr>
+          <p:nvPr/>
+        </p:nvCxnSpPr>
+        <p:spPr>
+          <a:xfrm>
+            <a:off x="5675919" y="3733799"/>
+            <a:ext cx="1296056" cy="0"/>
+          </a:xfrm>
+          <a:prstGeom prst="straightConnector1">
+            <a:avLst/>
+          </a:prstGeom>
+          <a:ln w="19050">
+            <a:solidFill>
+              <a:srgbClr val="7030A0"/>
+            </a:solidFill>
+            <a:prstDash val="sysDash"/>
+            <a:headEnd type="arrow" w="med" len="med"/>
+            <a:tailEnd type="none" w="med" len="med"/>
+          </a:ln>
+        </p:spPr>
+        <p:style>
+          <a:lnRef idx="1">
+            <a:schemeClr val="accent1"/>
+          </a:lnRef>
+          <a:fillRef idx="0">
+            <a:schemeClr val="accent1"/>
+          </a:fillRef>
+          <a:effectRef idx="0">
+            <a:schemeClr val="accent1"/>
+          </a:effectRef>
+          <a:fontRef idx="minor">
+            <a:schemeClr val="tx1"/>
           </a:fontRef>
         </p:style>
       </p:cxnSp>
